--- a/Battle Of The Neighborhoods.pptx
+++ b/Battle Of The Neighborhoods.pptx
@@ -106,6 +106,11 @@
       </a:defRPr>
     </a:lvl9pPr>
   </p:defaultTextStyle>
+  <p:extLst>
+    <p:ext uri="{EFAFB233-063F-42B5-8137-9DF3F51BA10A}">
+      <p15:sldGuideLst xmlns:p15="http://schemas.microsoft.com/office/powerpoint/2012/main"/>
+    </p:ext>
+  </p:extLst>
 </p:presentation>
 </file>
 
@@ -256,7 +261,7 @@
           <a:p>
             <a:fld id="{FEEB95B7-CEDE-464E-AB8D-848928D5A08C}" type="datetimeFigureOut">
               <a:rPr lang="en-US" smtClean="0"/>
-              <a:t>2/26/2021</a:t>
+              <a:t>2/27/2021</a:t>
             </a:fld>
             <a:endParaRPr lang="en-US"/>
           </a:p>
@@ -454,7 +459,7 @@
           <a:p>
             <a:fld id="{FEEB95B7-CEDE-464E-AB8D-848928D5A08C}" type="datetimeFigureOut">
               <a:rPr lang="en-US" smtClean="0"/>
-              <a:t>2/26/2021</a:t>
+              <a:t>2/27/2021</a:t>
             </a:fld>
             <a:endParaRPr lang="en-US"/>
           </a:p>
@@ -662,7 +667,7 @@
           <a:p>
             <a:fld id="{FEEB95B7-CEDE-464E-AB8D-848928D5A08C}" type="datetimeFigureOut">
               <a:rPr lang="en-US" smtClean="0"/>
-              <a:t>2/26/2021</a:t>
+              <a:t>2/27/2021</a:t>
             </a:fld>
             <a:endParaRPr lang="en-US"/>
           </a:p>
@@ -860,7 +865,7 @@
           <a:p>
             <a:fld id="{FEEB95B7-CEDE-464E-AB8D-848928D5A08C}" type="datetimeFigureOut">
               <a:rPr lang="en-US" smtClean="0"/>
-              <a:t>2/26/2021</a:t>
+              <a:t>2/27/2021</a:t>
             </a:fld>
             <a:endParaRPr lang="en-US"/>
           </a:p>
@@ -1135,7 +1140,7 @@
           <a:p>
             <a:fld id="{FEEB95B7-CEDE-464E-AB8D-848928D5A08C}" type="datetimeFigureOut">
               <a:rPr lang="en-US" smtClean="0"/>
-              <a:t>2/26/2021</a:t>
+              <a:t>2/27/2021</a:t>
             </a:fld>
             <a:endParaRPr lang="en-US"/>
           </a:p>
@@ -1400,7 +1405,7 @@
           <a:p>
             <a:fld id="{FEEB95B7-CEDE-464E-AB8D-848928D5A08C}" type="datetimeFigureOut">
               <a:rPr lang="en-US" smtClean="0"/>
-              <a:t>2/26/2021</a:t>
+              <a:t>2/27/2021</a:t>
             </a:fld>
             <a:endParaRPr lang="en-US"/>
           </a:p>
@@ -1812,7 +1817,7 @@
           <a:p>
             <a:fld id="{FEEB95B7-CEDE-464E-AB8D-848928D5A08C}" type="datetimeFigureOut">
               <a:rPr lang="en-US" smtClean="0"/>
-              <a:t>2/26/2021</a:t>
+              <a:t>2/27/2021</a:t>
             </a:fld>
             <a:endParaRPr lang="en-US"/>
           </a:p>
@@ -1953,7 +1958,7 @@
           <a:p>
             <a:fld id="{FEEB95B7-CEDE-464E-AB8D-848928D5A08C}" type="datetimeFigureOut">
               <a:rPr lang="en-US" smtClean="0"/>
-              <a:t>2/26/2021</a:t>
+              <a:t>2/27/2021</a:t>
             </a:fld>
             <a:endParaRPr lang="en-US"/>
           </a:p>
@@ -2066,7 +2071,7 @@
           <a:p>
             <a:fld id="{FEEB95B7-CEDE-464E-AB8D-848928D5A08C}" type="datetimeFigureOut">
               <a:rPr lang="en-US" smtClean="0"/>
-              <a:t>2/26/2021</a:t>
+              <a:t>2/27/2021</a:t>
             </a:fld>
             <a:endParaRPr lang="en-US"/>
           </a:p>
@@ -2377,7 +2382,7 @@
           <a:p>
             <a:fld id="{FEEB95B7-CEDE-464E-AB8D-848928D5A08C}" type="datetimeFigureOut">
               <a:rPr lang="en-US" smtClean="0"/>
-              <a:t>2/26/2021</a:t>
+              <a:t>2/27/2021</a:t>
             </a:fld>
             <a:endParaRPr lang="en-US"/>
           </a:p>
@@ -2665,7 +2670,7 @@
           <a:p>
             <a:fld id="{FEEB95B7-CEDE-464E-AB8D-848928D5A08C}" type="datetimeFigureOut">
               <a:rPr lang="en-US" smtClean="0"/>
-              <a:t>2/26/2021</a:t>
+              <a:t>2/27/2021</a:t>
             </a:fld>
             <a:endParaRPr lang="en-US"/>
           </a:p>
@@ -2906,7 +2911,7 @@
           <a:p>
             <a:fld id="{FEEB95B7-CEDE-464E-AB8D-848928D5A08C}" type="datetimeFigureOut">
               <a:rPr lang="en-US" smtClean="0"/>
-              <a:t>2/26/2021</a:t>
+              <a:t>2/27/2021</a:t>
             </a:fld>
             <a:endParaRPr lang="en-US"/>
           </a:p>
@@ -4306,7 +4311,7 @@
         </p:spPr>
         <p:txBody>
           <a:bodyPr>
-            <a:normAutofit lnSpcReduction="10000"/>
+            <a:normAutofit fontScale="70000" lnSpcReduction="20000"/>
           </a:bodyPr>
           <a:lstStyle/>
           <a:p>
@@ -4362,6 +4367,65 @@
               </a:rPr>
               <a:t>Venue rating</a:t>
             </a:r>
+          </a:p>
+          <a:p>
+            <a:r>
+              <a:rPr lang="en-US" sz="2000" dirty="0">
+                <a:solidFill>
+                  <a:srgbClr val="000000"/>
+                </a:solidFill>
+              </a:rPr>
+              <a:t>I will also be using data from the US Census and citymaps.com to make the clustering more robust including:</a:t>
+            </a:r>
+          </a:p>
+          <a:p>
+            <a:pPr lvl="1"/>
+            <a:r>
+              <a:rPr lang="en-US" sz="1600" dirty="0">
+                <a:solidFill>
+                  <a:srgbClr val="000000"/>
+                </a:solidFill>
+              </a:rPr>
+              <a:t>Demographic data</a:t>
+            </a:r>
+          </a:p>
+          <a:p>
+            <a:pPr lvl="1"/>
+            <a:r>
+              <a:rPr lang="en-US" sz="1600" dirty="0">
+                <a:solidFill>
+                  <a:srgbClr val="000000"/>
+                </a:solidFill>
+              </a:rPr>
+              <a:t>Income data</a:t>
+            </a:r>
+          </a:p>
+          <a:p>
+            <a:pPr lvl="1"/>
+            <a:r>
+              <a:rPr lang="en-US" sz="1600" dirty="0">
+                <a:solidFill>
+                  <a:srgbClr val="000000"/>
+                </a:solidFill>
+              </a:rPr>
+              <a:t>Crime Statistics</a:t>
+            </a:r>
+          </a:p>
+          <a:p>
+            <a:pPr lvl="1"/>
+            <a:r>
+              <a:rPr lang="en-US" sz="1600">
+                <a:solidFill>
+                  <a:srgbClr val="000000"/>
+                </a:solidFill>
+              </a:rPr>
+              <a:t>School statistics</a:t>
+            </a:r>
+            <a:endParaRPr lang="en-US" sz="1600" dirty="0">
+              <a:solidFill>
+                <a:srgbClr val="000000"/>
+              </a:solidFill>
+            </a:endParaRPr>
           </a:p>
           <a:p>
             <a:r>

--- a/Battle Of The Neighborhoods.pptx
+++ b/Battle Of The Neighborhoods.pptx
@@ -8,6 +8,10 @@
     <p:sldId id="256" r:id="rId2"/>
     <p:sldId id="257" r:id="rId3"/>
     <p:sldId id="258" r:id="rId4"/>
+    <p:sldId id="261" r:id="rId5"/>
+    <p:sldId id="260" r:id="rId6"/>
+    <p:sldId id="262" r:id="rId7"/>
+    <p:sldId id="263" r:id="rId8"/>
   </p:sldIdLst>
   <p:sldSz cx="12192000" cy="6858000"/>
   <p:notesSz cx="6858000" cy="9144000"/>
@@ -261,7 +265,7 @@
           <a:p>
             <a:fld id="{FEEB95B7-CEDE-464E-AB8D-848928D5A08C}" type="datetimeFigureOut">
               <a:rPr lang="en-US" smtClean="0"/>
-              <a:t>2/27/2021</a:t>
+              <a:t>3/5/2021</a:t>
             </a:fld>
             <a:endParaRPr lang="en-US"/>
           </a:p>
@@ -459,7 +463,7 @@
           <a:p>
             <a:fld id="{FEEB95B7-CEDE-464E-AB8D-848928D5A08C}" type="datetimeFigureOut">
               <a:rPr lang="en-US" smtClean="0"/>
-              <a:t>2/27/2021</a:t>
+              <a:t>3/5/2021</a:t>
             </a:fld>
             <a:endParaRPr lang="en-US"/>
           </a:p>
@@ -667,7 +671,7 @@
           <a:p>
             <a:fld id="{FEEB95B7-CEDE-464E-AB8D-848928D5A08C}" type="datetimeFigureOut">
               <a:rPr lang="en-US" smtClean="0"/>
-              <a:t>2/27/2021</a:t>
+              <a:t>3/5/2021</a:t>
             </a:fld>
             <a:endParaRPr lang="en-US"/>
           </a:p>
@@ -865,7 +869,7 @@
           <a:p>
             <a:fld id="{FEEB95B7-CEDE-464E-AB8D-848928D5A08C}" type="datetimeFigureOut">
               <a:rPr lang="en-US" smtClean="0"/>
-              <a:t>2/27/2021</a:t>
+              <a:t>3/5/2021</a:t>
             </a:fld>
             <a:endParaRPr lang="en-US"/>
           </a:p>
@@ -1140,7 +1144,7 @@
           <a:p>
             <a:fld id="{FEEB95B7-CEDE-464E-AB8D-848928D5A08C}" type="datetimeFigureOut">
               <a:rPr lang="en-US" smtClean="0"/>
-              <a:t>2/27/2021</a:t>
+              <a:t>3/5/2021</a:t>
             </a:fld>
             <a:endParaRPr lang="en-US"/>
           </a:p>
@@ -1405,7 +1409,7 @@
           <a:p>
             <a:fld id="{FEEB95B7-CEDE-464E-AB8D-848928D5A08C}" type="datetimeFigureOut">
               <a:rPr lang="en-US" smtClean="0"/>
-              <a:t>2/27/2021</a:t>
+              <a:t>3/5/2021</a:t>
             </a:fld>
             <a:endParaRPr lang="en-US"/>
           </a:p>
@@ -1817,7 +1821,7 @@
           <a:p>
             <a:fld id="{FEEB95B7-CEDE-464E-AB8D-848928D5A08C}" type="datetimeFigureOut">
               <a:rPr lang="en-US" smtClean="0"/>
-              <a:t>2/27/2021</a:t>
+              <a:t>3/5/2021</a:t>
             </a:fld>
             <a:endParaRPr lang="en-US"/>
           </a:p>
@@ -1958,7 +1962,7 @@
           <a:p>
             <a:fld id="{FEEB95B7-CEDE-464E-AB8D-848928D5A08C}" type="datetimeFigureOut">
               <a:rPr lang="en-US" smtClean="0"/>
-              <a:t>2/27/2021</a:t>
+              <a:t>3/5/2021</a:t>
             </a:fld>
             <a:endParaRPr lang="en-US"/>
           </a:p>
@@ -2071,7 +2075,7 @@
           <a:p>
             <a:fld id="{FEEB95B7-CEDE-464E-AB8D-848928D5A08C}" type="datetimeFigureOut">
               <a:rPr lang="en-US" smtClean="0"/>
-              <a:t>2/27/2021</a:t>
+              <a:t>3/5/2021</a:t>
             </a:fld>
             <a:endParaRPr lang="en-US"/>
           </a:p>
@@ -2382,7 +2386,7 @@
           <a:p>
             <a:fld id="{FEEB95B7-CEDE-464E-AB8D-848928D5A08C}" type="datetimeFigureOut">
               <a:rPr lang="en-US" smtClean="0"/>
-              <a:t>2/27/2021</a:t>
+              <a:t>3/5/2021</a:t>
             </a:fld>
             <a:endParaRPr lang="en-US"/>
           </a:p>
@@ -2670,7 +2674,7 @@
           <a:p>
             <a:fld id="{FEEB95B7-CEDE-464E-AB8D-848928D5A08C}" type="datetimeFigureOut">
               <a:rPr lang="en-US" smtClean="0"/>
-              <a:t>2/27/2021</a:t>
+              <a:t>3/5/2021</a:t>
             </a:fld>
             <a:endParaRPr lang="en-US"/>
           </a:p>
@@ -2911,7 +2915,7 @@
           <a:p>
             <a:fld id="{FEEB95B7-CEDE-464E-AB8D-848928D5A08C}" type="datetimeFigureOut">
               <a:rPr lang="en-US" smtClean="0"/>
-              <a:t>2/27/2021</a:t>
+              <a:t>3/5/2021</a:t>
             </a:fld>
             <a:endParaRPr lang="en-US"/>
           </a:p>
@@ -4311,7 +4315,7 @@
         </p:spPr>
         <p:txBody>
           <a:bodyPr>
-            <a:normAutofit fontScale="70000" lnSpcReduction="20000"/>
+            <a:normAutofit/>
           </a:bodyPr>
           <a:lstStyle/>
           <a:p>
@@ -4358,76 +4362,6 @@
             </a:r>
           </a:p>
           <a:p>
-            <a:pPr lvl="1"/>
-            <a:r>
-              <a:rPr lang="en-US" sz="1600" dirty="0">
-                <a:solidFill>
-                  <a:srgbClr val="000000"/>
-                </a:solidFill>
-              </a:rPr>
-              <a:t>Venue rating</a:t>
-            </a:r>
-          </a:p>
-          <a:p>
-            <a:r>
-              <a:rPr lang="en-US" sz="2000" dirty="0">
-                <a:solidFill>
-                  <a:srgbClr val="000000"/>
-                </a:solidFill>
-              </a:rPr>
-              <a:t>I will also be using data from the US Census and citymaps.com to make the clustering more robust including:</a:t>
-            </a:r>
-          </a:p>
-          <a:p>
-            <a:pPr lvl="1"/>
-            <a:r>
-              <a:rPr lang="en-US" sz="1600" dirty="0">
-                <a:solidFill>
-                  <a:srgbClr val="000000"/>
-                </a:solidFill>
-              </a:rPr>
-              <a:t>Demographic data</a:t>
-            </a:r>
-          </a:p>
-          <a:p>
-            <a:pPr lvl="1"/>
-            <a:r>
-              <a:rPr lang="en-US" sz="1600" dirty="0">
-                <a:solidFill>
-                  <a:srgbClr val="000000"/>
-                </a:solidFill>
-              </a:rPr>
-              <a:t>Income data</a:t>
-            </a:r>
-          </a:p>
-          <a:p>
-            <a:pPr lvl="1"/>
-            <a:r>
-              <a:rPr lang="en-US" sz="1600" dirty="0">
-                <a:solidFill>
-                  <a:srgbClr val="000000"/>
-                </a:solidFill>
-              </a:rPr>
-              <a:t>Crime Statistics</a:t>
-            </a:r>
-          </a:p>
-          <a:p>
-            <a:pPr lvl="1"/>
-            <a:r>
-              <a:rPr lang="en-US" sz="1600">
-                <a:solidFill>
-                  <a:srgbClr val="000000"/>
-                </a:solidFill>
-              </a:rPr>
-              <a:t>School statistics</a:t>
-            </a:r>
-            <a:endParaRPr lang="en-US" sz="1600" dirty="0">
-              <a:solidFill>
-                <a:srgbClr val="000000"/>
-              </a:solidFill>
-            </a:endParaRPr>
-          </a:p>
-          <a:p>
             <a:r>
               <a:rPr lang="en-US" sz="2000" dirty="0">
                 <a:solidFill>
@@ -4450,6 +4384,1178 @@
     <p:extLst>
       <p:ext uri="{BB962C8B-B14F-4D97-AF65-F5344CB8AC3E}">
         <p14:creationId xmlns:p14="http://schemas.microsoft.com/office/powerpoint/2010/main" val="1016323849"/>
+      </p:ext>
+    </p:extLst>
+  </p:cSld>
+  <p:clrMapOvr>
+    <a:masterClrMapping/>
+  </p:clrMapOvr>
+</p:sld>
+</file>
+
+<file path=ppt/slides/slide4.xml><?xml version="1.0" encoding="utf-8"?>
+<p:sld xmlns:a="http://schemas.openxmlformats.org/drawingml/2006/main" xmlns:r="http://schemas.openxmlformats.org/officeDocument/2006/relationships" xmlns:p="http://schemas.openxmlformats.org/presentationml/2006/main">
+  <p:cSld>
+    <p:bg>
+      <p:bgPr>
+        <a:solidFill>
+          <a:schemeClr val="bg1"/>
+        </a:solidFill>
+        <a:effectLst/>
+      </p:bgPr>
+    </p:bg>
+    <p:spTree>
+      <p:nvGrpSpPr>
+        <p:cNvPr id="1" name=""/>
+        <p:cNvGrpSpPr/>
+        <p:nvPr/>
+      </p:nvGrpSpPr>
+      <p:grpSpPr>
+        <a:xfrm>
+          <a:off x="0" y="0"/>
+          <a:ext cx="0" cy="0"/>
+          <a:chOff x="0" y="0"/>
+          <a:chExt cx="0" cy="0"/>
+        </a:xfrm>
+      </p:grpSpPr>
+      <p:sp>
+        <p:nvSpPr>
+          <p:cNvPr id="8" name="Rectangle 7">
+            <a:extLst>
+              <a:ext uri="{FF2B5EF4-FFF2-40B4-BE49-F238E27FC236}">
+                <a16:creationId xmlns:a16="http://schemas.microsoft.com/office/drawing/2014/main" id="{4351DFE5-F63D-4BE0-BDA9-E3EB88F01AA5}"/>
+              </a:ext>
+              <a:ext uri="{C183D7F6-B498-43B3-948B-1728B52AA6E4}">
+                <adec:decorative xmlns:adec="http://schemas.microsoft.com/office/drawing/2017/decorative" val="1"/>
+              </a:ext>
+            </a:extLst>
+          </p:cNvPr>
+          <p:cNvSpPr>
+            <a:spLocks noGrp="1" noRot="1" noChangeAspect="1" noMove="1" noResize="1" noEditPoints="1" noAdjustHandles="1" noChangeArrowheads="1" noChangeShapeType="1" noTextEdit="1"/>
+          </p:cNvSpPr>
+          <p:nvPr>
+            <p:extLst>
+              <p:ext uri="{386F3935-93C4-4BCD-93E2-E3B085C9AB24}">
+                <p16:designElem xmlns:p16="http://schemas.microsoft.com/office/powerpoint/2015/main" val="1"/>
+              </p:ext>
+            </p:extLst>
+          </p:nvPr>
+        </p:nvSpPr>
+        <p:spPr>
+          <a:xfrm>
+            <a:off x="355601" y="0"/>
+            <a:ext cx="11480494" cy="2753936"/>
+          </a:xfrm>
+          <a:prstGeom prst="rect">
+            <a:avLst/>
+          </a:prstGeom>
+          <a:gradFill>
+            <a:gsLst>
+              <a:gs pos="0">
+                <a:schemeClr val="accent1">
+                  <a:lumMod val="90000"/>
+                </a:schemeClr>
+              </a:gs>
+              <a:gs pos="25000">
+                <a:schemeClr val="accent1">
+                  <a:lumMod val="90000"/>
+                </a:schemeClr>
+              </a:gs>
+              <a:gs pos="94000">
+                <a:schemeClr val="bg2">
+                  <a:lumMod val="25000"/>
+                </a:schemeClr>
+              </a:gs>
+              <a:gs pos="100000">
+                <a:schemeClr val="bg2">
+                  <a:lumMod val="25000"/>
+                </a:schemeClr>
+              </a:gs>
+            </a:gsLst>
+            <a:lin ang="4200000" scaled="0"/>
+          </a:gradFill>
+          <a:ln>
+            <a:noFill/>
+          </a:ln>
+        </p:spPr>
+        <p:style>
+          <a:lnRef idx="2">
+            <a:schemeClr val="accent1">
+              <a:shade val="50000"/>
+            </a:schemeClr>
+          </a:lnRef>
+          <a:fillRef idx="1">
+            <a:schemeClr val="accent1"/>
+          </a:fillRef>
+          <a:effectRef idx="0">
+            <a:schemeClr val="accent1"/>
+          </a:effectRef>
+          <a:fontRef idx="minor">
+            <a:schemeClr val="lt1"/>
+          </a:fontRef>
+        </p:style>
+        <p:txBody>
+          <a:bodyPr rtlCol="0" anchor="ctr"/>
+          <a:lstStyle/>
+          <a:p>
+            <a:pPr algn="ctr"/>
+            <a:endParaRPr lang="en-US"/>
+          </a:p>
+        </p:txBody>
+      </p:sp>
+      <p:pic>
+        <p:nvPicPr>
+          <p:cNvPr id="10" name="Picture 9">
+            <a:extLst>
+              <a:ext uri="{FF2B5EF4-FFF2-40B4-BE49-F238E27FC236}">
+                <a16:creationId xmlns:a16="http://schemas.microsoft.com/office/drawing/2014/main" id="{3AA16612-ACD2-4A16-8F2B-4514FD6BF28F}"/>
+              </a:ext>
+              <a:ext uri="{C183D7F6-B498-43B3-948B-1728B52AA6E4}">
+                <adec:decorative xmlns:adec="http://schemas.microsoft.com/office/drawing/2017/decorative" val="1"/>
+              </a:ext>
+            </a:extLst>
+          </p:cNvPr>
+          <p:cNvPicPr>
+            <a:picLocks noGrp="1" noRot="1" noChangeAspect="1" noMove="1" noResize="1" noEditPoints="1" noAdjustHandles="1" noChangeArrowheads="1" noChangeShapeType="1" noCrop="1"/>
+          </p:cNvPicPr>
+          <p:nvPr>
+            <p:extLst>
+              <p:ext uri="{386F3935-93C4-4BCD-93E2-E3B085C9AB24}">
+                <p16:designElem xmlns:p16="http://schemas.microsoft.com/office/powerpoint/2015/main" val="1"/>
+              </p:ext>
+            </p:extLst>
+          </p:nvPr>
+        </p:nvPicPr>
+        <p:blipFill>
+          <a:blip r:embed="rId2">
+            <a:extLst>
+              <a:ext uri="{28A0092B-C50C-407E-A947-70E740481C1C}">
+                <a14:useLocalDpi xmlns:a14="http://schemas.microsoft.com/office/drawing/2010/main" val="0"/>
+              </a:ext>
+            </a:extLst>
+          </a:blip>
+          <a:stretch>
+            <a:fillRect/>
+          </a:stretch>
+        </p:blipFill>
+        <p:spPr>
+          <a:xfrm>
+            <a:off x="0" y="0"/>
+            <a:ext cx="12192000" cy="6858000"/>
+          </a:xfrm>
+          <a:prstGeom prst="rect">
+            <a:avLst/>
+          </a:prstGeom>
+        </p:spPr>
+      </p:pic>
+      <p:sp>
+        <p:nvSpPr>
+          <p:cNvPr id="2" name="Title 1">
+            <a:extLst>
+              <a:ext uri="{FF2B5EF4-FFF2-40B4-BE49-F238E27FC236}">
+                <a16:creationId xmlns:a16="http://schemas.microsoft.com/office/drawing/2014/main" id="{BC0CF77C-031A-447C-B0DF-24B2F1848D03}"/>
+              </a:ext>
+            </a:extLst>
+          </p:cNvPr>
+          <p:cNvSpPr>
+            <a:spLocks noGrp="1"/>
+          </p:cNvSpPr>
+          <p:nvPr>
+            <p:ph type="title"/>
+          </p:nvPr>
+        </p:nvSpPr>
+        <p:spPr>
+          <a:xfrm>
+            <a:off x="1179226" y="826680"/>
+            <a:ext cx="9833548" cy="1325563"/>
+          </a:xfrm>
+        </p:spPr>
+        <p:txBody>
+          <a:bodyPr>
+            <a:normAutofit/>
+          </a:bodyPr>
+          <a:lstStyle/>
+          <a:p>
+            <a:pPr algn="ctr"/>
+            <a:r>
+              <a:rPr lang="en-US" sz="4000" dirty="0">
+                <a:solidFill>
+                  <a:srgbClr val="FFFFFF"/>
+                </a:solidFill>
+              </a:rPr>
+              <a:t>Methodology</a:t>
+            </a:r>
+          </a:p>
+        </p:txBody>
+      </p:sp>
+      <p:sp>
+        <p:nvSpPr>
+          <p:cNvPr id="3" name="Content Placeholder 2">
+            <a:extLst>
+              <a:ext uri="{FF2B5EF4-FFF2-40B4-BE49-F238E27FC236}">
+                <a16:creationId xmlns:a16="http://schemas.microsoft.com/office/drawing/2014/main" id="{4548CC17-65F5-48E2-A284-A3122F6F955D}"/>
+              </a:ext>
+            </a:extLst>
+          </p:cNvPr>
+          <p:cNvSpPr>
+            <a:spLocks noGrp="1"/>
+          </p:cNvSpPr>
+          <p:nvPr>
+            <p:ph idx="1"/>
+          </p:nvPr>
+        </p:nvSpPr>
+        <p:spPr>
+          <a:xfrm>
+            <a:off x="1179226" y="3092970"/>
+            <a:ext cx="9833548" cy="2693976"/>
+          </a:xfrm>
+        </p:spPr>
+        <p:txBody>
+          <a:bodyPr>
+            <a:normAutofit fontScale="92500" lnSpcReduction="20000"/>
+          </a:bodyPr>
+          <a:lstStyle/>
+          <a:p>
+            <a:r>
+              <a:rPr lang="en-US" sz="2000" dirty="0">
+                <a:solidFill>
+                  <a:srgbClr val="000000"/>
+                </a:solidFill>
+              </a:rPr>
+              <a:t>Retrieved nearby venue information for all neighborhoods across New York City and Portland Oregon</a:t>
+            </a:r>
+          </a:p>
+          <a:p>
+            <a:r>
+              <a:rPr lang="en-US" sz="2000" dirty="0">
+                <a:solidFill>
+                  <a:srgbClr val="000000"/>
+                </a:solidFill>
+              </a:rPr>
+              <a:t>Created </a:t>
+            </a:r>
+            <a:r>
+              <a:rPr lang="en-US" sz="2000" dirty="0" err="1">
+                <a:solidFill>
+                  <a:srgbClr val="000000"/>
+                </a:solidFill>
+              </a:rPr>
+              <a:t>dataframe</a:t>
+            </a:r>
+            <a:r>
+              <a:rPr lang="en-US" sz="2000" dirty="0">
+                <a:solidFill>
+                  <a:srgbClr val="000000"/>
+                </a:solidFill>
+              </a:rPr>
+              <a:t> of all categories returned by the API with the corresponding value for each neighborhood as to whether that category existed in the neighborhood</a:t>
+            </a:r>
+            <a:endParaRPr lang="en-US" sz="1600" dirty="0">
+              <a:solidFill>
+                <a:srgbClr val="000000"/>
+              </a:solidFill>
+            </a:endParaRPr>
+          </a:p>
+          <a:p>
+            <a:r>
+              <a:rPr lang="en-US" sz="2000" dirty="0">
+                <a:solidFill>
+                  <a:srgbClr val="000000"/>
+                </a:solidFill>
+              </a:rPr>
+              <a:t>Normalized the neighborhood-category </a:t>
+            </a:r>
+            <a:r>
+              <a:rPr lang="en-US" sz="2000" dirty="0" err="1">
+                <a:solidFill>
+                  <a:srgbClr val="000000"/>
+                </a:solidFill>
+              </a:rPr>
+              <a:t>dataframe</a:t>
+            </a:r>
+            <a:r>
+              <a:rPr lang="en-US" sz="2000" dirty="0">
+                <a:solidFill>
+                  <a:srgbClr val="000000"/>
+                </a:solidFill>
+              </a:rPr>
+              <a:t> by taking the mean of each category</a:t>
+            </a:r>
+          </a:p>
+          <a:p>
+            <a:r>
+              <a:rPr lang="en-US" sz="2000" dirty="0">
+                <a:solidFill>
+                  <a:srgbClr val="000000"/>
+                </a:solidFill>
+              </a:rPr>
+              <a:t>Ran K-means clustering analysis for several K values to determine the K value that gave the best mix of neighborhoods across both cities.  </a:t>
+            </a:r>
+          </a:p>
+          <a:p>
+            <a:r>
+              <a:rPr lang="en-US" sz="2000" dirty="0">
+                <a:solidFill>
+                  <a:srgbClr val="000000"/>
+                </a:solidFill>
+              </a:rPr>
+              <a:t>Developed dashboard to allow user to select their destination city and current neighborhood of residence to see both on a Folio map and in a table a list of comparable neighborhoods in the destination city</a:t>
+            </a:r>
+          </a:p>
+          <a:p>
+            <a:endParaRPr lang="en-US" sz="2000" dirty="0">
+              <a:solidFill>
+                <a:srgbClr val="000000"/>
+              </a:solidFill>
+            </a:endParaRPr>
+          </a:p>
+        </p:txBody>
+      </p:sp>
+    </p:spTree>
+    <p:extLst>
+      <p:ext uri="{BB962C8B-B14F-4D97-AF65-F5344CB8AC3E}">
+        <p14:creationId xmlns:p14="http://schemas.microsoft.com/office/powerpoint/2010/main" val="16533150"/>
+      </p:ext>
+    </p:extLst>
+  </p:cSld>
+  <p:clrMapOvr>
+    <a:masterClrMapping/>
+  </p:clrMapOvr>
+</p:sld>
+</file>
+
+<file path=ppt/slides/slide5.xml><?xml version="1.0" encoding="utf-8"?>
+<p:sld xmlns:a="http://schemas.openxmlformats.org/drawingml/2006/main" xmlns:r="http://schemas.openxmlformats.org/officeDocument/2006/relationships" xmlns:p="http://schemas.openxmlformats.org/presentationml/2006/main">
+  <p:cSld>
+    <p:bg>
+      <p:bgPr>
+        <a:solidFill>
+          <a:schemeClr val="bg1"/>
+        </a:solidFill>
+        <a:effectLst/>
+      </p:bgPr>
+    </p:bg>
+    <p:spTree>
+      <p:nvGrpSpPr>
+        <p:cNvPr id="1" name=""/>
+        <p:cNvGrpSpPr/>
+        <p:nvPr/>
+      </p:nvGrpSpPr>
+      <p:grpSpPr>
+        <a:xfrm>
+          <a:off x="0" y="0"/>
+          <a:ext cx="0" cy="0"/>
+          <a:chOff x="0" y="0"/>
+          <a:chExt cx="0" cy="0"/>
+        </a:xfrm>
+      </p:grpSpPr>
+      <p:sp>
+        <p:nvSpPr>
+          <p:cNvPr id="8" name="Rectangle 7">
+            <a:extLst>
+              <a:ext uri="{FF2B5EF4-FFF2-40B4-BE49-F238E27FC236}">
+                <a16:creationId xmlns:a16="http://schemas.microsoft.com/office/drawing/2014/main" id="{4351DFE5-F63D-4BE0-BDA9-E3EB88F01AA5}"/>
+              </a:ext>
+              <a:ext uri="{C183D7F6-B498-43B3-948B-1728B52AA6E4}">
+                <adec:decorative xmlns:adec="http://schemas.microsoft.com/office/drawing/2017/decorative" val="1"/>
+              </a:ext>
+            </a:extLst>
+          </p:cNvPr>
+          <p:cNvSpPr>
+            <a:spLocks noGrp="1" noRot="1" noChangeAspect="1" noMove="1" noResize="1" noEditPoints="1" noAdjustHandles="1" noChangeArrowheads="1" noChangeShapeType="1" noTextEdit="1"/>
+          </p:cNvSpPr>
+          <p:nvPr>
+            <p:extLst>
+              <p:ext uri="{386F3935-93C4-4BCD-93E2-E3B085C9AB24}">
+                <p16:designElem xmlns:p16="http://schemas.microsoft.com/office/powerpoint/2015/main" val="1"/>
+              </p:ext>
+            </p:extLst>
+          </p:nvPr>
+        </p:nvSpPr>
+        <p:spPr>
+          <a:xfrm>
+            <a:off x="355601" y="0"/>
+            <a:ext cx="11480494" cy="2753936"/>
+          </a:xfrm>
+          <a:prstGeom prst="rect">
+            <a:avLst/>
+          </a:prstGeom>
+          <a:gradFill>
+            <a:gsLst>
+              <a:gs pos="0">
+                <a:schemeClr val="accent1">
+                  <a:lumMod val="90000"/>
+                </a:schemeClr>
+              </a:gs>
+              <a:gs pos="25000">
+                <a:schemeClr val="accent1">
+                  <a:lumMod val="90000"/>
+                </a:schemeClr>
+              </a:gs>
+              <a:gs pos="94000">
+                <a:schemeClr val="bg2">
+                  <a:lumMod val="25000"/>
+                </a:schemeClr>
+              </a:gs>
+              <a:gs pos="100000">
+                <a:schemeClr val="bg2">
+                  <a:lumMod val="25000"/>
+                </a:schemeClr>
+              </a:gs>
+            </a:gsLst>
+            <a:lin ang="4200000" scaled="0"/>
+          </a:gradFill>
+          <a:ln>
+            <a:noFill/>
+          </a:ln>
+        </p:spPr>
+        <p:style>
+          <a:lnRef idx="2">
+            <a:schemeClr val="accent1">
+              <a:shade val="50000"/>
+            </a:schemeClr>
+          </a:lnRef>
+          <a:fillRef idx="1">
+            <a:schemeClr val="accent1"/>
+          </a:fillRef>
+          <a:effectRef idx="0">
+            <a:schemeClr val="accent1"/>
+          </a:effectRef>
+          <a:fontRef idx="minor">
+            <a:schemeClr val="lt1"/>
+          </a:fontRef>
+        </p:style>
+        <p:txBody>
+          <a:bodyPr rtlCol="0" anchor="ctr"/>
+          <a:lstStyle/>
+          <a:p>
+            <a:pPr algn="ctr"/>
+            <a:endParaRPr lang="en-US"/>
+          </a:p>
+        </p:txBody>
+      </p:sp>
+      <p:pic>
+        <p:nvPicPr>
+          <p:cNvPr id="10" name="Picture 9">
+            <a:extLst>
+              <a:ext uri="{FF2B5EF4-FFF2-40B4-BE49-F238E27FC236}">
+                <a16:creationId xmlns:a16="http://schemas.microsoft.com/office/drawing/2014/main" id="{3AA16612-ACD2-4A16-8F2B-4514FD6BF28F}"/>
+              </a:ext>
+              <a:ext uri="{C183D7F6-B498-43B3-948B-1728B52AA6E4}">
+                <adec:decorative xmlns:adec="http://schemas.microsoft.com/office/drawing/2017/decorative" val="1"/>
+              </a:ext>
+            </a:extLst>
+          </p:cNvPr>
+          <p:cNvPicPr>
+            <a:picLocks noGrp="1" noRot="1" noChangeAspect="1" noMove="1" noResize="1" noEditPoints="1" noAdjustHandles="1" noChangeArrowheads="1" noChangeShapeType="1" noCrop="1"/>
+          </p:cNvPicPr>
+          <p:nvPr>
+            <p:extLst>
+              <p:ext uri="{386F3935-93C4-4BCD-93E2-E3B085C9AB24}">
+                <p16:designElem xmlns:p16="http://schemas.microsoft.com/office/powerpoint/2015/main" val="1"/>
+              </p:ext>
+            </p:extLst>
+          </p:nvPr>
+        </p:nvPicPr>
+        <p:blipFill>
+          <a:blip r:embed="rId2">
+            <a:extLst>
+              <a:ext uri="{28A0092B-C50C-407E-A947-70E740481C1C}">
+                <a14:useLocalDpi xmlns:a14="http://schemas.microsoft.com/office/drawing/2010/main" val="0"/>
+              </a:ext>
+            </a:extLst>
+          </a:blip>
+          <a:stretch>
+            <a:fillRect/>
+          </a:stretch>
+        </p:blipFill>
+        <p:spPr>
+          <a:xfrm>
+            <a:off x="0" y="0"/>
+            <a:ext cx="12192000" cy="6858000"/>
+          </a:xfrm>
+          <a:prstGeom prst="rect">
+            <a:avLst/>
+          </a:prstGeom>
+        </p:spPr>
+      </p:pic>
+      <p:sp>
+        <p:nvSpPr>
+          <p:cNvPr id="2" name="Title 1">
+            <a:extLst>
+              <a:ext uri="{FF2B5EF4-FFF2-40B4-BE49-F238E27FC236}">
+                <a16:creationId xmlns:a16="http://schemas.microsoft.com/office/drawing/2014/main" id="{BC0CF77C-031A-447C-B0DF-24B2F1848D03}"/>
+              </a:ext>
+            </a:extLst>
+          </p:cNvPr>
+          <p:cNvSpPr>
+            <a:spLocks noGrp="1"/>
+          </p:cNvSpPr>
+          <p:nvPr>
+            <p:ph type="title"/>
+          </p:nvPr>
+        </p:nvSpPr>
+        <p:spPr>
+          <a:xfrm>
+            <a:off x="1179226" y="826680"/>
+            <a:ext cx="9833548" cy="1325563"/>
+          </a:xfrm>
+        </p:spPr>
+        <p:txBody>
+          <a:bodyPr>
+            <a:normAutofit/>
+          </a:bodyPr>
+          <a:lstStyle/>
+          <a:p>
+            <a:pPr algn="ctr"/>
+            <a:r>
+              <a:rPr lang="en-US" sz="4000" dirty="0">
+                <a:solidFill>
+                  <a:srgbClr val="FFFFFF"/>
+                </a:solidFill>
+              </a:rPr>
+              <a:t>Results</a:t>
+            </a:r>
+          </a:p>
+        </p:txBody>
+      </p:sp>
+      <p:sp>
+        <p:nvSpPr>
+          <p:cNvPr id="3" name="Content Placeholder 2">
+            <a:extLst>
+              <a:ext uri="{FF2B5EF4-FFF2-40B4-BE49-F238E27FC236}">
+                <a16:creationId xmlns:a16="http://schemas.microsoft.com/office/drawing/2014/main" id="{4548CC17-65F5-48E2-A284-A3122F6F955D}"/>
+              </a:ext>
+            </a:extLst>
+          </p:cNvPr>
+          <p:cNvSpPr>
+            <a:spLocks noGrp="1"/>
+          </p:cNvSpPr>
+          <p:nvPr>
+            <p:ph idx="1"/>
+          </p:nvPr>
+        </p:nvSpPr>
+        <p:spPr>
+          <a:xfrm>
+            <a:off x="1179226" y="3092970"/>
+            <a:ext cx="9833548" cy="2693976"/>
+          </a:xfrm>
+        </p:spPr>
+        <p:txBody>
+          <a:bodyPr>
+            <a:normAutofit/>
+          </a:bodyPr>
+          <a:lstStyle/>
+          <a:p>
+            <a:r>
+              <a:rPr lang="en-US" sz="2000" dirty="0">
+                <a:solidFill>
+                  <a:srgbClr val="000000"/>
+                </a:solidFill>
+              </a:rPr>
+              <a:t>The best k value for the clustering was 6.  Meaning at a k value of 6 all clusters contained neighborhoods for both cities.  At other k values there were some clusters that only had neighborhoods from one of the cities.</a:t>
+            </a:r>
+          </a:p>
+          <a:p>
+            <a:endParaRPr lang="en-US" sz="2000" dirty="0">
+              <a:solidFill>
+                <a:srgbClr val="000000"/>
+              </a:solidFill>
+            </a:endParaRPr>
+          </a:p>
+          <a:p>
+            <a:endParaRPr lang="en-US" sz="2000" dirty="0">
+              <a:solidFill>
+                <a:srgbClr val="000000"/>
+              </a:solidFill>
+            </a:endParaRPr>
+          </a:p>
+        </p:txBody>
+      </p:sp>
+    </p:spTree>
+    <p:extLst>
+      <p:ext uri="{BB962C8B-B14F-4D97-AF65-F5344CB8AC3E}">
+        <p14:creationId xmlns:p14="http://schemas.microsoft.com/office/powerpoint/2010/main" val="1783977940"/>
+      </p:ext>
+    </p:extLst>
+  </p:cSld>
+  <p:clrMapOvr>
+    <a:masterClrMapping/>
+  </p:clrMapOvr>
+</p:sld>
+</file>
+
+<file path=ppt/slides/slide6.xml><?xml version="1.0" encoding="utf-8"?>
+<p:sld xmlns:a="http://schemas.openxmlformats.org/drawingml/2006/main" xmlns:r="http://schemas.openxmlformats.org/officeDocument/2006/relationships" xmlns:p="http://schemas.openxmlformats.org/presentationml/2006/main">
+  <p:cSld>
+    <p:bg>
+      <p:bgPr>
+        <a:solidFill>
+          <a:schemeClr val="bg1"/>
+        </a:solidFill>
+        <a:effectLst/>
+      </p:bgPr>
+    </p:bg>
+    <p:spTree>
+      <p:nvGrpSpPr>
+        <p:cNvPr id="1" name=""/>
+        <p:cNvGrpSpPr/>
+        <p:nvPr/>
+      </p:nvGrpSpPr>
+      <p:grpSpPr>
+        <a:xfrm>
+          <a:off x="0" y="0"/>
+          <a:ext cx="0" cy="0"/>
+          <a:chOff x="0" y="0"/>
+          <a:chExt cx="0" cy="0"/>
+        </a:xfrm>
+      </p:grpSpPr>
+      <p:sp>
+        <p:nvSpPr>
+          <p:cNvPr id="8" name="Rectangle 7">
+            <a:extLst>
+              <a:ext uri="{FF2B5EF4-FFF2-40B4-BE49-F238E27FC236}">
+                <a16:creationId xmlns:a16="http://schemas.microsoft.com/office/drawing/2014/main" id="{4351DFE5-F63D-4BE0-BDA9-E3EB88F01AA5}"/>
+              </a:ext>
+              <a:ext uri="{C183D7F6-B498-43B3-948B-1728B52AA6E4}">
+                <adec:decorative xmlns:adec="http://schemas.microsoft.com/office/drawing/2017/decorative" val="1"/>
+              </a:ext>
+            </a:extLst>
+          </p:cNvPr>
+          <p:cNvSpPr>
+            <a:spLocks noGrp="1" noRot="1" noChangeAspect="1" noMove="1" noResize="1" noEditPoints="1" noAdjustHandles="1" noChangeArrowheads="1" noChangeShapeType="1" noTextEdit="1"/>
+          </p:cNvSpPr>
+          <p:nvPr>
+            <p:extLst>
+              <p:ext uri="{386F3935-93C4-4BCD-93E2-E3B085C9AB24}">
+                <p16:designElem xmlns:p16="http://schemas.microsoft.com/office/powerpoint/2015/main" val="1"/>
+              </p:ext>
+            </p:extLst>
+          </p:nvPr>
+        </p:nvSpPr>
+        <p:spPr>
+          <a:xfrm>
+            <a:off x="355601" y="0"/>
+            <a:ext cx="11480494" cy="2753936"/>
+          </a:xfrm>
+          <a:prstGeom prst="rect">
+            <a:avLst/>
+          </a:prstGeom>
+          <a:gradFill>
+            <a:gsLst>
+              <a:gs pos="0">
+                <a:schemeClr val="accent1">
+                  <a:lumMod val="90000"/>
+                </a:schemeClr>
+              </a:gs>
+              <a:gs pos="25000">
+                <a:schemeClr val="accent1">
+                  <a:lumMod val="90000"/>
+                </a:schemeClr>
+              </a:gs>
+              <a:gs pos="94000">
+                <a:schemeClr val="bg2">
+                  <a:lumMod val="25000"/>
+                </a:schemeClr>
+              </a:gs>
+              <a:gs pos="100000">
+                <a:schemeClr val="bg2">
+                  <a:lumMod val="25000"/>
+                </a:schemeClr>
+              </a:gs>
+            </a:gsLst>
+            <a:lin ang="4200000" scaled="0"/>
+          </a:gradFill>
+          <a:ln>
+            <a:noFill/>
+          </a:ln>
+        </p:spPr>
+        <p:style>
+          <a:lnRef idx="2">
+            <a:schemeClr val="accent1">
+              <a:shade val="50000"/>
+            </a:schemeClr>
+          </a:lnRef>
+          <a:fillRef idx="1">
+            <a:schemeClr val="accent1"/>
+          </a:fillRef>
+          <a:effectRef idx="0">
+            <a:schemeClr val="accent1"/>
+          </a:effectRef>
+          <a:fontRef idx="minor">
+            <a:schemeClr val="lt1"/>
+          </a:fontRef>
+        </p:style>
+        <p:txBody>
+          <a:bodyPr rtlCol="0" anchor="ctr"/>
+          <a:lstStyle/>
+          <a:p>
+            <a:pPr algn="ctr"/>
+            <a:endParaRPr lang="en-US"/>
+          </a:p>
+        </p:txBody>
+      </p:sp>
+      <p:pic>
+        <p:nvPicPr>
+          <p:cNvPr id="10" name="Picture 9">
+            <a:extLst>
+              <a:ext uri="{FF2B5EF4-FFF2-40B4-BE49-F238E27FC236}">
+                <a16:creationId xmlns:a16="http://schemas.microsoft.com/office/drawing/2014/main" id="{3AA16612-ACD2-4A16-8F2B-4514FD6BF28F}"/>
+              </a:ext>
+              <a:ext uri="{C183D7F6-B498-43B3-948B-1728B52AA6E4}">
+                <adec:decorative xmlns:adec="http://schemas.microsoft.com/office/drawing/2017/decorative" val="1"/>
+              </a:ext>
+            </a:extLst>
+          </p:cNvPr>
+          <p:cNvPicPr>
+            <a:picLocks noGrp="1" noRot="1" noChangeAspect="1" noMove="1" noResize="1" noEditPoints="1" noAdjustHandles="1" noChangeArrowheads="1" noChangeShapeType="1" noCrop="1"/>
+          </p:cNvPicPr>
+          <p:nvPr>
+            <p:extLst>
+              <p:ext uri="{386F3935-93C4-4BCD-93E2-E3B085C9AB24}">
+                <p16:designElem xmlns:p16="http://schemas.microsoft.com/office/powerpoint/2015/main" val="1"/>
+              </p:ext>
+            </p:extLst>
+          </p:nvPr>
+        </p:nvPicPr>
+        <p:blipFill>
+          <a:blip r:embed="rId2">
+            <a:extLst>
+              <a:ext uri="{28A0092B-C50C-407E-A947-70E740481C1C}">
+                <a14:useLocalDpi xmlns:a14="http://schemas.microsoft.com/office/drawing/2010/main" val="0"/>
+              </a:ext>
+            </a:extLst>
+          </a:blip>
+          <a:stretch>
+            <a:fillRect/>
+          </a:stretch>
+        </p:blipFill>
+        <p:spPr>
+          <a:xfrm>
+            <a:off x="0" y="0"/>
+            <a:ext cx="12192000" cy="6858000"/>
+          </a:xfrm>
+          <a:prstGeom prst="rect">
+            <a:avLst/>
+          </a:prstGeom>
+        </p:spPr>
+      </p:pic>
+      <p:sp>
+        <p:nvSpPr>
+          <p:cNvPr id="2" name="Title 1">
+            <a:extLst>
+              <a:ext uri="{FF2B5EF4-FFF2-40B4-BE49-F238E27FC236}">
+                <a16:creationId xmlns:a16="http://schemas.microsoft.com/office/drawing/2014/main" id="{BC0CF77C-031A-447C-B0DF-24B2F1848D03}"/>
+              </a:ext>
+            </a:extLst>
+          </p:cNvPr>
+          <p:cNvSpPr>
+            <a:spLocks noGrp="1"/>
+          </p:cNvSpPr>
+          <p:nvPr>
+            <p:ph type="title"/>
+          </p:nvPr>
+        </p:nvSpPr>
+        <p:spPr>
+          <a:xfrm>
+            <a:off x="1179226" y="826680"/>
+            <a:ext cx="9833548" cy="1325563"/>
+          </a:xfrm>
+        </p:spPr>
+        <p:txBody>
+          <a:bodyPr>
+            <a:normAutofit/>
+          </a:bodyPr>
+          <a:lstStyle/>
+          <a:p>
+            <a:pPr algn="ctr"/>
+            <a:r>
+              <a:rPr lang="en-US" sz="4000" dirty="0">
+                <a:solidFill>
+                  <a:srgbClr val="FFFFFF"/>
+                </a:solidFill>
+              </a:rPr>
+              <a:t>Discussion</a:t>
+            </a:r>
+          </a:p>
+        </p:txBody>
+      </p:sp>
+      <p:sp>
+        <p:nvSpPr>
+          <p:cNvPr id="3" name="Content Placeholder 2">
+            <a:extLst>
+              <a:ext uri="{FF2B5EF4-FFF2-40B4-BE49-F238E27FC236}">
+                <a16:creationId xmlns:a16="http://schemas.microsoft.com/office/drawing/2014/main" id="{4548CC17-65F5-48E2-A284-A3122F6F955D}"/>
+              </a:ext>
+            </a:extLst>
+          </p:cNvPr>
+          <p:cNvSpPr>
+            <a:spLocks noGrp="1"/>
+          </p:cNvSpPr>
+          <p:nvPr>
+            <p:ph idx="1"/>
+          </p:nvPr>
+        </p:nvSpPr>
+        <p:spPr>
+          <a:xfrm>
+            <a:off x="1179226" y="3092970"/>
+            <a:ext cx="9833548" cy="2693976"/>
+          </a:xfrm>
+        </p:spPr>
+        <p:txBody>
+          <a:bodyPr>
+            <a:normAutofit/>
+          </a:bodyPr>
+          <a:lstStyle/>
+          <a:p>
+            <a:r>
+              <a:rPr lang="en-US" sz="2000" dirty="0">
+                <a:solidFill>
+                  <a:srgbClr val="000000"/>
+                </a:solidFill>
+              </a:rPr>
+              <a:t>The clusters were pretty spread out across areas/boroughs of each city.  I did not see certain boroughs in NYC mapping exclusively to certain areas in Portland</a:t>
+            </a:r>
+          </a:p>
+          <a:p>
+            <a:r>
+              <a:rPr lang="en-US" sz="2000" dirty="0">
+                <a:solidFill>
+                  <a:srgbClr val="000000"/>
+                </a:solidFill>
+              </a:rPr>
+              <a:t>There was one cluster, cluster #3, that was almost entirely NYC neighborhoods and none of these neighborhoods was in Manhattan</a:t>
+            </a:r>
+          </a:p>
+          <a:p>
+            <a:r>
+              <a:rPr lang="en-US" sz="2000" dirty="0">
+                <a:solidFill>
+                  <a:srgbClr val="000000"/>
+                </a:solidFill>
+              </a:rPr>
+              <a:t>The top ten venue categories in cluster #6 matched exactly for the 6 neighborhoods listed including 4 from Portland and 2 from NYC</a:t>
+            </a:r>
+          </a:p>
+          <a:p>
+            <a:endParaRPr lang="en-US" sz="2000" dirty="0">
+              <a:solidFill>
+                <a:srgbClr val="000000"/>
+              </a:solidFill>
+            </a:endParaRPr>
+          </a:p>
+          <a:p>
+            <a:endParaRPr lang="en-US" sz="2000" dirty="0">
+              <a:solidFill>
+                <a:srgbClr val="000000"/>
+              </a:solidFill>
+            </a:endParaRPr>
+          </a:p>
+          <a:p>
+            <a:endParaRPr lang="en-US" sz="2000" dirty="0">
+              <a:solidFill>
+                <a:srgbClr val="000000"/>
+              </a:solidFill>
+            </a:endParaRPr>
+          </a:p>
+          <a:p>
+            <a:endParaRPr lang="en-US" sz="2000" dirty="0">
+              <a:solidFill>
+                <a:srgbClr val="000000"/>
+              </a:solidFill>
+            </a:endParaRPr>
+          </a:p>
+        </p:txBody>
+      </p:sp>
+    </p:spTree>
+    <p:extLst>
+      <p:ext uri="{BB962C8B-B14F-4D97-AF65-F5344CB8AC3E}">
+        <p14:creationId xmlns:p14="http://schemas.microsoft.com/office/powerpoint/2010/main" val="350552354"/>
+      </p:ext>
+    </p:extLst>
+  </p:cSld>
+  <p:clrMapOvr>
+    <a:masterClrMapping/>
+  </p:clrMapOvr>
+</p:sld>
+</file>
+
+<file path=ppt/slides/slide7.xml><?xml version="1.0" encoding="utf-8"?>
+<p:sld xmlns:a="http://schemas.openxmlformats.org/drawingml/2006/main" xmlns:r="http://schemas.openxmlformats.org/officeDocument/2006/relationships" xmlns:p="http://schemas.openxmlformats.org/presentationml/2006/main">
+  <p:cSld>
+    <p:bg>
+      <p:bgPr>
+        <a:solidFill>
+          <a:schemeClr val="bg1"/>
+        </a:solidFill>
+        <a:effectLst/>
+      </p:bgPr>
+    </p:bg>
+    <p:spTree>
+      <p:nvGrpSpPr>
+        <p:cNvPr id="1" name=""/>
+        <p:cNvGrpSpPr/>
+        <p:nvPr/>
+      </p:nvGrpSpPr>
+      <p:grpSpPr>
+        <a:xfrm>
+          <a:off x="0" y="0"/>
+          <a:ext cx="0" cy="0"/>
+          <a:chOff x="0" y="0"/>
+          <a:chExt cx="0" cy="0"/>
+        </a:xfrm>
+      </p:grpSpPr>
+      <p:sp>
+        <p:nvSpPr>
+          <p:cNvPr id="8" name="Rectangle 7">
+            <a:extLst>
+              <a:ext uri="{FF2B5EF4-FFF2-40B4-BE49-F238E27FC236}">
+                <a16:creationId xmlns:a16="http://schemas.microsoft.com/office/drawing/2014/main" id="{4351DFE5-F63D-4BE0-BDA9-E3EB88F01AA5}"/>
+              </a:ext>
+              <a:ext uri="{C183D7F6-B498-43B3-948B-1728B52AA6E4}">
+                <adec:decorative xmlns:adec="http://schemas.microsoft.com/office/drawing/2017/decorative" val="1"/>
+              </a:ext>
+            </a:extLst>
+          </p:cNvPr>
+          <p:cNvSpPr>
+            <a:spLocks noGrp="1" noRot="1" noChangeAspect="1" noMove="1" noResize="1" noEditPoints="1" noAdjustHandles="1" noChangeArrowheads="1" noChangeShapeType="1" noTextEdit="1"/>
+          </p:cNvSpPr>
+          <p:nvPr>
+            <p:extLst>
+              <p:ext uri="{386F3935-93C4-4BCD-93E2-E3B085C9AB24}">
+                <p16:designElem xmlns:p16="http://schemas.microsoft.com/office/powerpoint/2015/main" val="1"/>
+              </p:ext>
+            </p:extLst>
+          </p:nvPr>
+        </p:nvSpPr>
+        <p:spPr>
+          <a:xfrm>
+            <a:off x="355601" y="0"/>
+            <a:ext cx="11480494" cy="2753936"/>
+          </a:xfrm>
+          <a:prstGeom prst="rect">
+            <a:avLst/>
+          </a:prstGeom>
+          <a:gradFill>
+            <a:gsLst>
+              <a:gs pos="0">
+                <a:schemeClr val="accent1">
+                  <a:lumMod val="90000"/>
+                </a:schemeClr>
+              </a:gs>
+              <a:gs pos="25000">
+                <a:schemeClr val="accent1">
+                  <a:lumMod val="90000"/>
+                </a:schemeClr>
+              </a:gs>
+              <a:gs pos="94000">
+                <a:schemeClr val="bg2">
+                  <a:lumMod val="25000"/>
+                </a:schemeClr>
+              </a:gs>
+              <a:gs pos="100000">
+                <a:schemeClr val="bg2">
+                  <a:lumMod val="25000"/>
+                </a:schemeClr>
+              </a:gs>
+            </a:gsLst>
+            <a:lin ang="4200000" scaled="0"/>
+          </a:gradFill>
+          <a:ln>
+            <a:noFill/>
+          </a:ln>
+        </p:spPr>
+        <p:style>
+          <a:lnRef idx="2">
+            <a:schemeClr val="accent1">
+              <a:shade val="50000"/>
+            </a:schemeClr>
+          </a:lnRef>
+          <a:fillRef idx="1">
+            <a:schemeClr val="accent1"/>
+          </a:fillRef>
+          <a:effectRef idx="0">
+            <a:schemeClr val="accent1"/>
+          </a:effectRef>
+          <a:fontRef idx="minor">
+            <a:schemeClr val="lt1"/>
+          </a:fontRef>
+        </p:style>
+        <p:txBody>
+          <a:bodyPr rtlCol="0" anchor="ctr"/>
+          <a:lstStyle/>
+          <a:p>
+            <a:pPr algn="ctr"/>
+            <a:endParaRPr lang="en-US"/>
+          </a:p>
+        </p:txBody>
+      </p:sp>
+      <p:pic>
+        <p:nvPicPr>
+          <p:cNvPr id="10" name="Picture 9">
+            <a:extLst>
+              <a:ext uri="{FF2B5EF4-FFF2-40B4-BE49-F238E27FC236}">
+                <a16:creationId xmlns:a16="http://schemas.microsoft.com/office/drawing/2014/main" id="{3AA16612-ACD2-4A16-8F2B-4514FD6BF28F}"/>
+              </a:ext>
+              <a:ext uri="{C183D7F6-B498-43B3-948B-1728B52AA6E4}">
+                <adec:decorative xmlns:adec="http://schemas.microsoft.com/office/drawing/2017/decorative" val="1"/>
+              </a:ext>
+            </a:extLst>
+          </p:cNvPr>
+          <p:cNvPicPr>
+            <a:picLocks noGrp="1" noRot="1" noChangeAspect="1" noMove="1" noResize="1" noEditPoints="1" noAdjustHandles="1" noChangeArrowheads="1" noChangeShapeType="1" noCrop="1"/>
+          </p:cNvPicPr>
+          <p:nvPr>
+            <p:extLst>
+              <p:ext uri="{386F3935-93C4-4BCD-93E2-E3B085C9AB24}">
+                <p16:designElem xmlns:p16="http://schemas.microsoft.com/office/powerpoint/2015/main" val="1"/>
+              </p:ext>
+            </p:extLst>
+          </p:nvPr>
+        </p:nvPicPr>
+        <p:blipFill>
+          <a:blip r:embed="rId2">
+            <a:extLst>
+              <a:ext uri="{28A0092B-C50C-407E-A947-70E740481C1C}">
+                <a14:useLocalDpi xmlns:a14="http://schemas.microsoft.com/office/drawing/2010/main" val="0"/>
+              </a:ext>
+            </a:extLst>
+          </a:blip>
+          <a:stretch>
+            <a:fillRect/>
+          </a:stretch>
+        </p:blipFill>
+        <p:spPr>
+          <a:xfrm>
+            <a:off x="0" y="0"/>
+            <a:ext cx="12192000" cy="6858000"/>
+          </a:xfrm>
+          <a:prstGeom prst="rect">
+            <a:avLst/>
+          </a:prstGeom>
+        </p:spPr>
+      </p:pic>
+      <p:sp>
+        <p:nvSpPr>
+          <p:cNvPr id="2" name="Title 1">
+            <a:extLst>
+              <a:ext uri="{FF2B5EF4-FFF2-40B4-BE49-F238E27FC236}">
+                <a16:creationId xmlns:a16="http://schemas.microsoft.com/office/drawing/2014/main" id="{BC0CF77C-031A-447C-B0DF-24B2F1848D03}"/>
+              </a:ext>
+            </a:extLst>
+          </p:cNvPr>
+          <p:cNvSpPr>
+            <a:spLocks noGrp="1"/>
+          </p:cNvSpPr>
+          <p:nvPr>
+            <p:ph type="title"/>
+          </p:nvPr>
+        </p:nvSpPr>
+        <p:spPr>
+          <a:xfrm>
+            <a:off x="1179226" y="826680"/>
+            <a:ext cx="9833548" cy="1325563"/>
+          </a:xfrm>
+        </p:spPr>
+        <p:txBody>
+          <a:bodyPr>
+            <a:normAutofit/>
+          </a:bodyPr>
+          <a:lstStyle/>
+          <a:p>
+            <a:pPr algn="ctr"/>
+            <a:r>
+              <a:rPr lang="en-US" sz="4000" dirty="0">
+                <a:solidFill>
+                  <a:srgbClr val="FFFFFF"/>
+                </a:solidFill>
+              </a:rPr>
+              <a:t>Conclusion</a:t>
+            </a:r>
+          </a:p>
+        </p:txBody>
+      </p:sp>
+      <p:sp>
+        <p:nvSpPr>
+          <p:cNvPr id="3" name="Content Placeholder 2">
+            <a:extLst>
+              <a:ext uri="{FF2B5EF4-FFF2-40B4-BE49-F238E27FC236}">
+                <a16:creationId xmlns:a16="http://schemas.microsoft.com/office/drawing/2014/main" id="{4548CC17-65F5-48E2-A284-A3122F6F955D}"/>
+              </a:ext>
+            </a:extLst>
+          </p:cNvPr>
+          <p:cNvSpPr>
+            <a:spLocks noGrp="1"/>
+          </p:cNvSpPr>
+          <p:nvPr>
+            <p:ph idx="1"/>
+          </p:nvPr>
+        </p:nvSpPr>
+        <p:spPr>
+          <a:xfrm>
+            <a:off x="1179226" y="3092970"/>
+            <a:ext cx="9833548" cy="2693976"/>
+          </a:xfrm>
+        </p:spPr>
+        <p:txBody>
+          <a:bodyPr>
+            <a:normAutofit/>
+          </a:bodyPr>
+          <a:lstStyle/>
+          <a:p>
+            <a:r>
+              <a:rPr lang="en-US" sz="2000" dirty="0">
+                <a:solidFill>
+                  <a:srgbClr val="000000"/>
+                </a:solidFill>
+              </a:rPr>
+              <a:t>This tool could be a good starting point for someone looking to narrow their search for neighborhoods in their destination city.</a:t>
+            </a:r>
+          </a:p>
+          <a:p>
+            <a:r>
+              <a:rPr lang="en-US" sz="2000" dirty="0">
+                <a:solidFill>
+                  <a:srgbClr val="000000"/>
+                </a:solidFill>
+              </a:rPr>
+              <a:t>Anyone moving from a NYC neighborhood in cluster #3 may want to expand their search given the limited number of Portland neighborhoods mapped to this cluster.</a:t>
+            </a:r>
+          </a:p>
+          <a:p>
+            <a:endParaRPr lang="en-US" sz="2000" dirty="0">
+              <a:solidFill>
+                <a:srgbClr val="000000"/>
+              </a:solidFill>
+            </a:endParaRPr>
+          </a:p>
+          <a:p>
+            <a:endParaRPr lang="en-US" sz="2000" dirty="0">
+              <a:solidFill>
+                <a:srgbClr val="000000"/>
+              </a:solidFill>
+            </a:endParaRPr>
+          </a:p>
+          <a:p>
+            <a:endParaRPr lang="en-US" sz="2000" dirty="0">
+              <a:solidFill>
+                <a:srgbClr val="000000"/>
+              </a:solidFill>
+            </a:endParaRPr>
+          </a:p>
+          <a:p>
+            <a:endParaRPr lang="en-US" sz="2000" dirty="0">
+              <a:solidFill>
+                <a:srgbClr val="000000"/>
+              </a:solidFill>
+            </a:endParaRPr>
+          </a:p>
+        </p:txBody>
+      </p:sp>
+    </p:spTree>
+    <p:extLst>
+      <p:ext uri="{BB962C8B-B14F-4D97-AF65-F5344CB8AC3E}">
+        <p14:creationId xmlns:p14="http://schemas.microsoft.com/office/powerpoint/2010/main" val="1910838534"/>
       </p:ext>
     </p:extLst>
   </p:cSld>
